--- a/CSOF5104 Mejoramiento de Procesos de Software/0806PostmortemProyectoECOS.pptx
+++ b/CSOF5104 Mejoramiento de Procesos de Software/0806PostmortemProyectoECOS.pptx
@@ -1455,585 +1455,6 @@
       <dsp:cNvGrpSpPr/>
     </dsp:nvGrpSpPr>
     <dsp:grpSpPr/>
-    <dsp:sp modelId="{94DA9C2B-640A-41A0-9E49-D78FBDB2BEA4}">
-      <dsp:nvSpPr>
-        <dsp:cNvPr id="0" name=""/>
-        <dsp:cNvSpPr/>
-      </dsp:nvSpPr>
-      <dsp:spPr>
-        <a:xfrm>
-          <a:off x="4662212" y="32725"/>
-          <a:ext cx="1145232" cy="1145232"/>
-        </a:xfrm>
-        <a:prstGeom prst="rect">
-          <a:avLst/>
-        </a:prstGeom>
-        <a:noFill/>
-        <a:ln>
-          <a:noFill/>
-        </a:ln>
-        <a:effectLst/>
-      </dsp:spPr>
-      <dsp:style>
-        <a:lnRef idx="0">
-          <a:scrgbClr r="0" g="0" b="0"/>
-        </a:lnRef>
-        <a:fillRef idx="0">
-          <a:scrgbClr r="0" g="0" b="0"/>
-        </a:fillRef>
-        <a:effectRef idx="0">
-          <a:scrgbClr r="0" g="0" b="0"/>
-        </a:effectRef>
-        <a:fontRef idx="minor"/>
-      </dsp:style>
-      <dsp:txBody>
-        <a:bodyPr spcFirstLastPara="0" vert="horz" wrap="square" lIns="21590" tIns="21590" rIns="21590" bIns="21590" numCol="1" spcCol="1270" anchor="ctr" anchorCtr="0">
-          <a:noAutofit/>
-        </a:bodyPr>
-        <a:lstStyle/>
-        <a:p>
-          <a:pPr lvl="0" algn="ctr" defTabSz="755650">
-            <a:lnSpc>
-              <a:spcPct val="90000"/>
-            </a:lnSpc>
-            <a:spcBef>
-              <a:spcPct val="0"/>
-            </a:spcBef>
-            <a:spcAft>
-              <a:spcPct val="35000"/>
-            </a:spcAft>
-          </a:pPr>
-          <a:r>
-            <a:rPr lang="es-CO" sz="1700" kern="1200" dirty="0" err="1" smtClean="0"/>
-            <a:t>Hosting</a:t>
-          </a:r>
-          <a:r>
-            <a:rPr lang="es-CO" sz="1700" kern="1200" dirty="0" smtClean="0"/>
-            <a:t> del proyecto</a:t>
-          </a:r>
-          <a:endParaRPr lang="en-US" sz="1700" kern="1200" dirty="0"/>
-        </a:p>
-      </dsp:txBody>
-      <dsp:txXfrm>
-        <a:off x="4662212" y="32725"/>
-        <a:ext cx="1145232" cy="1145232"/>
-      </dsp:txXfrm>
-    </dsp:sp>
-    <dsp:sp modelId="{11871637-EDF8-4154-9D41-E53E8C2F9621}">
-      <dsp:nvSpPr>
-        <dsp:cNvPr id="0" name=""/>
-        <dsp:cNvSpPr/>
-      </dsp:nvSpPr>
-      <dsp:spPr>
-        <a:xfrm>
-          <a:off x="1967363" y="-508"/>
-          <a:ext cx="4294873" cy="4294873"/>
-        </a:xfrm>
-        <a:prstGeom prst="circularArrow">
-          <a:avLst>
-            <a:gd name="adj1" fmla="val 5200"/>
-            <a:gd name="adj2" fmla="val 335879"/>
-            <a:gd name="adj3" fmla="val 21293380"/>
-            <a:gd name="adj4" fmla="val 19766118"/>
-            <a:gd name="adj5" fmla="val 6066"/>
-          </a:avLst>
-        </a:prstGeom>
-        <a:solidFill>
-          <a:schemeClr val="accent2">
-            <a:hueOff val="0"/>
-            <a:satOff val="0"/>
-            <a:lumOff val="0"/>
-            <a:alphaOff val="0"/>
-          </a:schemeClr>
-        </a:solidFill>
-        <a:ln w="48000" cap="flat" cmpd="thickThin" algn="ctr">
-          <a:solidFill>
-            <a:schemeClr val="lt1">
-              <a:hueOff val="0"/>
-              <a:satOff val="0"/>
-              <a:lumOff val="0"/>
-              <a:alphaOff val="0"/>
-            </a:schemeClr>
-          </a:solidFill>
-          <a:prstDash val="solid"/>
-        </a:ln>
-        <a:effectLst/>
-      </dsp:spPr>
-      <dsp:style>
-        <a:lnRef idx="2">
-          <a:scrgbClr r="0" g="0" b="0"/>
-        </a:lnRef>
-        <a:fillRef idx="1">
-          <a:scrgbClr r="0" g="0" b="0"/>
-        </a:fillRef>
-        <a:effectRef idx="0">
-          <a:scrgbClr r="0" g="0" b="0"/>
-        </a:effectRef>
-        <a:fontRef idx="minor">
-          <a:schemeClr val="lt1"/>
-        </a:fontRef>
-      </dsp:style>
-    </dsp:sp>
-    <dsp:sp modelId="{E4904F49-245F-44D1-AC37-0E3ED414FBD0}">
-      <dsp:nvSpPr>
-        <dsp:cNvPr id="0" name=""/>
-        <dsp:cNvSpPr/>
-      </dsp:nvSpPr>
-      <dsp:spPr>
-        <a:xfrm>
-          <a:off x="5354428" y="2163146"/>
-          <a:ext cx="1145232" cy="1145232"/>
-        </a:xfrm>
-        <a:prstGeom prst="rect">
-          <a:avLst/>
-        </a:prstGeom>
-        <a:noFill/>
-        <a:ln>
-          <a:noFill/>
-        </a:ln>
-        <a:effectLst/>
-      </dsp:spPr>
-      <dsp:style>
-        <a:lnRef idx="0">
-          <a:scrgbClr r="0" g="0" b="0"/>
-        </a:lnRef>
-        <a:fillRef idx="0">
-          <a:scrgbClr r="0" g="0" b="0"/>
-        </a:fillRef>
-        <a:effectRef idx="0">
-          <a:scrgbClr r="0" g="0" b="0"/>
-        </a:effectRef>
-        <a:fontRef idx="minor"/>
-      </dsp:style>
-      <dsp:txBody>
-        <a:bodyPr spcFirstLastPara="0" vert="horz" wrap="square" lIns="21590" tIns="21590" rIns="21590" bIns="21590" numCol="1" spcCol="1270" anchor="ctr" anchorCtr="0">
-          <a:noAutofit/>
-        </a:bodyPr>
-        <a:lstStyle/>
-        <a:p>
-          <a:pPr lvl="0" algn="ctr" defTabSz="755650">
-            <a:lnSpc>
-              <a:spcPct val="90000"/>
-            </a:lnSpc>
-            <a:spcBef>
-              <a:spcPct val="0"/>
-            </a:spcBef>
-            <a:spcAft>
-              <a:spcPct val="35000"/>
-            </a:spcAft>
-          </a:pPr>
-          <a:r>
-            <a:rPr lang="es-CO" sz="1700" kern="1200" dirty="0" smtClean="0"/>
-            <a:t>Entorno de desarrollo</a:t>
-          </a:r>
-          <a:endParaRPr lang="en-US" sz="1700" kern="1200" dirty="0"/>
-        </a:p>
-      </dsp:txBody>
-      <dsp:txXfrm>
-        <a:off x="5354428" y="2163146"/>
-        <a:ext cx="1145232" cy="1145232"/>
-      </dsp:txXfrm>
-    </dsp:sp>
-    <dsp:sp modelId="{DCBC3DF8-8AFE-4E34-A9B4-48A686CE75E4}">
-      <dsp:nvSpPr>
-        <dsp:cNvPr id="0" name=""/>
-        <dsp:cNvSpPr/>
-      </dsp:nvSpPr>
-      <dsp:spPr>
-        <a:xfrm>
-          <a:off x="1967363" y="-508"/>
-          <a:ext cx="4294873" cy="4294873"/>
-        </a:xfrm>
-        <a:prstGeom prst="circularArrow">
-          <a:avLst>
-            <a:gd name="adj1" fmla="val 5200"/>
-            <a:gd name="adj2" fmla="val 335879"/>
-            <a:gd name="adj3" fmla="val 4014841"/>
-            <a:gd name="adj4" fmla="val 2253301"/>
-            <a:gd name="adj5" fmla="val 6066"/>
-          </a:avLst>
-        </a:prstGeom>
-        <a:solidFill>
-          <a:schemeClr val="accent3">
-            <a:hueOff val="0"/>
-            <a:satOff val="0"/>
-            <a:lumOff val="0"/>
-            <a:alphaOff val="0"/>
-          </a:schemeClr>
-        </a:solidFill>
-        <a:ln w="48000" cap="flat" cmpd="thickThin" algn="ctr">
-          <a:solidFill>
-            <a:schemeClr val="lt1">
-              <a:hueOff val="0"/>
-              <a:satOff val="0"/>
-              <a:lumOff val="0"/>
-              <a:alphaOff val="0"/>
-            </a:schemeClr>
-          </a:solidFill>
-          <a:prstDash val="solid"/>
-        </a:ln>
-        <a:effectLst/>
-      </dsp:spPr>
-      <dsp:style>
-        <a:lnRef idx="2">
-          <a:scrgbClr r="0" g="0" b="0"/>
-        </a:lnRef>
-        <a:fillRef idx="1">
-          <a:scrgbClr r="0" g="0" b="0"/>
-        </a:fillRef>
-        <a:effectRef idx="0">
-          <a:scrgbClr r="0" g="0" b="0"/>
-        </a:effectRef>
-        <a:fontRef idx="minor">
-          <a:schemeClr val="lt1"/>
-        </a:fontRef>
-      </dsp:style>
-    </dsp:sp>
-    <dsp:sp modelId="{D80A0990-667E-4767-8812-61742A8EAA83}">
-      <dsp:nvSpPr>
-        <dsp:cNvPr id="0" name=""/>
-        <dsp:cNvSpPr/>
-      </dsp:nvSpPr>
-      <dsp:spPr>
-        <a:xfrm>
-          <a:off x="3542183" y="3479819"/>
-          <a:ext cx="1145232" cy="1145232"/>
-        </a:xfrm>
-        <a:prstGeom prst="rect">
-          <a:avLst/>
-        </a:prstGeom>
-        <a:noFill/>
-        <a:ln>
-          <a:noFill/>
-        </a:ln>
-        <a:effectLst/>
-      </dsp:spPr>
-      <dsp:style>
-        <a:lnRef idx="0">
-          <a:scrgbClr r="0" g="0" b="0"/>
-        </a:lnRef>
-        <a:fillRef idx="0">
-          <a:scrgbClr r="0" g="0" b="0"/>
-        </a:fillRef>
-        <a:effectRef idx="0">
-          <a:scrgbClr r="0" g="0" b="0"/>
-        </a:effectRef>
-        <a:fontRef idx="minor"/>
-      </dsp:style>
-      <dsp:txBody>
-        <a:bodyPr spcFirstLastPara="0" vert="horz" wrap="square" lIns="21590" tIns="21590" rIns="21590" bIns="21590" numCol="1" spcCol="1270" anchor="ctr" anchorCtr="0">
-          <a:noAutofit/>
-        </a:bodyPr>
-        <a:lstStyle/>
-        <a:p>
-          <a:pPr lvl="0" algn="ctr" defTabSz="755650">
-            <a:lnSpc>
-              <a:spcPct val="90000"/>
-            </a:lnSpc>
-            <a:spcBef>
-              <a:spcPct val="0"/>
-            </a:spcBef>
-            <a:spcAft>
-              <a:spcPct val="35000"/>
-            </a:spcAft>
-          </a:pPr>
-          <a:r>
-            <a:rPr lang="es-CO" sz="1700" kern="1200" dirty="0" smtClean="0"/>
-            <a:t>Control de versiones</a:t>
-          </a:r>
-          <a:endParaRPr lang="en-US" sz="1700" kern="1200" dirty="0"/>
-        </a:p>
-      </dsp:txBody>
-      <dsp:txXfrm>
-        <a:off x="3542183" y="3479819"/>
-        <a:ext cx="1145232" cy="1145232"/>
-      </dsp:txXfrm>
-    </dsp:sp>
-    <dsp:sp modelId="{C7006AE4-8EAD-45D4-BB7A-1C36D140DE89}">
-      <dsp:nvSpPr>
-        <dsp:cNvPr id="0" name=""/>
-        <dsp:cNvSpPr/>
-      </dsp:nvSpPr>
-      <dsp:spPr>
-        <a:xfrm>
-          <a:off x="1967363" y="-508"/>
-          <a:ext cx="4294873" cy="4294873"/>
-        </a:xfrm>
-        <a:prstGeom prst="circularArrow">
-          <a:avLst>
-            <a:gd name="adj1" fmla="val 5200"/>
-            <a:gd name="adj2" fmla="val 335879"/>
-            <a:gd name="adj3" fmla="val 8210819"/>
-            <a:gd name="adj4" fmla="val 6449280"/>
-            <a:gd name="adj5" fmla="val 6066"/>
-          </a:avLst>
-        </a:prstGeom>
-        <a:solidFill>
-          <a:schemeClr val="accent4">
-            <a:hueOff val="0"/>
-            <a:satOff val="0"/>
-            <a:lumOff val="0"/>
-            <a:alphaOff val="0"/>
-          </a:schemeClr>
-        </a:solidFill>
-        <a:ln w="48000" cap="flat" cmpd="thickThin" algn="ctr">
-          <a:solidFill>
-            <a:schemeClr val="lt1">
-              <a:hueOff val="0"/>
-              <a:satOff val="0"/>
-              <a:lumOff val="0"/>
-              <a:alphaOff val="0"/>
-            </a:schemeClr>
-          </a:solidFill>
-          <a:prstDash val="solid"/>
-        </a:ln>
-        <a:effectLst/>
-      </dsp:spPr>
-      <dsp:style>
-        <a:lnRef idx="2">
-          <a:scrgbClr r="0" g="0" b="0"/>
-        </a:lnRef>
-        <a:fillRef idx="1">
-          <a:scrgbClr r="0" g="0" b="0"/>
-        </a:fillRef>
-        <a:effectRef idx="0">
-          <a:scrgbClr r="0" g="0" b="0"/>
-        </a:effectRef>
-        <a:fontRef idx="minor">
-          <a:schemeClr val="lt1"/>
-        </a:fontRef>
-      </dsp:style>
-    </dsp:sp>
-    <dsp:sp modelId="{BF658DCD-107B-47E7-A24F-1C05C8D6FC0D}">
-      <dsp:nvSpPr>
-        <dsp:cNvPr id="0" name=""/>
-        <dsp:cNvSpPr/>
-      </dsp:nvSpPr>
-      <dsp:spPr>
-        <a:xfrm>
-          <a:off x="1729939" y="2163146"/>
-          <a:ext cx="1145232" cy="1145232"/>
-        </a:xfrm>
-        <a:prstGeom prst="rect">
-          <a:avLst/>
-        </a:prstGeom>
-        <a:noFill/>
-        <a:ln>
-          <a:noFill/>
-        </a:ln>
-        <a:effectLst/>
-      </dsp:spPr>
-      <dsp:style>
-        <a:lnRef idx="0">
-          <a:scrgbClr r="0" g="0" b="0"/>
-        </a:lnRef>
-        <a:fillRef idx="0">
-          <a:scrgbClr r="0" g="0" b="0"/>
-        </a:fillRef>
-        <a:effectRef idx="0">
-          <a:scrgbClr r="0" g="0" b="0"/>
-        </a:effectRef>
-        <a:fontRef idx="minor"/>
-      </dsp:style>
-      <dsp:txBody>
-        <a:bodyPr spcFirstLastPara="0" vert="horz" wrap="square" lIns="21590" tIns="21590" rIns="21590" bIns="21590" numCol="1" spcCol="1270" anchor="ctr" anchorCtr="0">
-          <a:noAutofit/>
-        </a:bodyPr>
-        <a:lstStyle/>
-        <a:p>
-          <a:pPr lvl="0" algn="ctr" defTabSz="755650">
-            <a:lnSpc>
-              <a:spcPct val="90000"/>
-            </a:lnSpc>
-            <a:spcBef>
-              <a:spcPct val="0"/>
-            </a:spcBef>
-            <a:spcAft>
-              <a:spcPct val="35000"/>
-            </a:spcAft>
-          </a:pPr>
-          <a:r>
-            <a:rPr lang="es-CO" sz="1700" kern="1200" dirty="0" smtClean="0"/>
-            <a:t>Project</a:t>
-          </a:r>
-          <a:endParaRPr lang="en-US" sz="1700" kern="1200" dirty="0"/>
-        </a:p>
-      </dsp:txBody>
-      <dsp:txXfrm>
-        <a:off x="1729939" y="2163146"/>
-        <a:ext cx="1145232" cy="1145232"/>
-      </dsp:txXfrm>
-    </dsp:sp>
-    <dsp:sp modelId="{71FEE59E-AD94-45B4-ABC5-EEB31534FD83}">
-      <dsp:nvSpPr>
-        <dsp:cNvPr id="0" name=""/>
-        <dsp:cNvSpPr/>
-      </dsp:nvSpPr>
-      <dsp:spPr>
-        <a:xfrm>
-          <a:off x="1967363" y="-508"/>
-          <a:ext cx="4294873" cy="4294873"/>
-        </a:xfrm>
-        <a:prstGeom prst="circularArrow">
-          <a:avLst>
-            <a:gd name="adj1" fmla="val 5200"/>
-            <a:gd name="adj2" fmla="val 335879"/>
-            <a:gd name="adj3" fmla="val 12298002"/>
-            <a:gd name="adj4" fmla="val 10770741"/>
-            <a:gd name="adj5" fmla="val 6066"/>
-          </a:avLst>
-        </a:prstGeom>
-        <a:solidFill>
-          <a:schemeClr val="accent5">
-            <a:hueOff val="0"/>
-            <a:satOff val="0"/>
-            <a:lumOff val="0"/>
-            <a:alphaOff val="0"/>
-          </a:schemeClr>
-        </a:solidFill>
-        <a:ln w="48000" cap="flat" cmpd="thickThin" algn="ctr">
-          <a:solidFill>
-            <a:schemeClr val="lt1">
-              <a:hueOff val="0"/>
-              <a:satOff val="0"/>
-              <a:lumOff val="0"/>
-              <a:alphaOff val="0"/>
-            </a:schemeClr>
-          </a:solidFill>
-          <a:prstDash val="solid"/>
-        </a:ln>
-        <a:effectLst/>
-      </dsp:spPr>
-      <dsp:style>
-        <a:lnRef idx="2">
-          <a:scrgbClr r="0" g="0" b="0"/>
-        </a:lnRef>
-        <a:fillRef idx="1">
-          <a:scrgbClr r="0" g="0" b="0"/>
-        </a:fillRef>
-        <a:effectRef idx="0">
-          <a:scrgbClr r="0" g="0" b="0"/>
-        </a:effectRef>
-        <a:fontRef idx="minor">
-          <a:schemeClr val="lt1"/>
-        </a:fontRef>
-      </dsp:style>
-    </dsp:sp>
-    <dsp:sp modelId="{3E6B24F0-3F5F-44C0-88A2-EAD17D787F83}">
-      <dsp:nvSpPr>
-        <dsp:cNvPr id="0" name=""/>
-        <dsp:cNvSpPr/>
-      </dsp:nvSpPr>
-      <dsp:spPr>
-        <a:xfrm>
-          <a:off x="2422155" y="32725"/>
-          <a:ext cx="1145232" cy="1145232"/>
-        </a:xfrm>
-        <a:prstGeom prst="rect">
-          <a:avLst/>
-        </a:prstGeom>
-        <a:noFill/>
-        <a:ln>
-          <a:noFill/>
-        </a:ln>
-        <a:effectLst/>
-      </dsp:spPr>
-      <dsp:style>
-        <a:lnRef idx="0">
-          <a:scrgbClr r="0" g="0" b="0"/>
-        </a:lnRef>
-        <a:fillRef idx="0">
-          <a:scrgbClr r="0" g="0" b="0"/>
-        </a:fillRef>
-        <a:effectRef idx="0">
-          <a:scrgbClr r="0" g="0" b="0"/>
-        </a:effectRef>
-        <a:fontRef idx="minor"/>
-      </dsp:style>
-      <dsp:txBody>
-        <a:bodyPr spcFirstLastPara="0" vert="horz" wrap="square" lIns="21590" tIns="21590" rIns="21590" bIns="21590" numCol="1" spcCol="1270" anchor="ctr" anchorCtr="0">
-          <a:noAutofit/>
-        </a:bodyPr>
-        <a:lstStyle/>
-        <a:p>
-          <a:pPr lvl="0" algn="ctr" defTabSz="755650">
-            <a:lnSpc>
-              <a:spcPct val="90000"/>
-            </a:lnSpc>
-            <a:spcBef>
-              <a:spcPct val="0"/>
-            </a:spcBef>
-            <a:spcAft>
-              <a:spcPct val="35000"/>
-            </a:spcAft>
-          </a:pPr>
-          <a:r>
-            <a:rPr lang="es-CO" sz="1700" kern="1200" dirty="0" smtClean="0"/>
-            <a:t>Formularios Google</a:t>
-          </a:r>
-          <a:endParaRPr lang="en-US" sz="1700" kern="1200" dirty="0"/>
-        </a:p>
-      </dsp:txBody>
-      <dsp:txXfrm>
-        <a:off x="2422155" y="32725"/>
-        <a:ext cx="1145232" cy="1145232"/>
-      </dsp:txXfrm>
-    </dsp:sp>
-    <dsp:sp modelId="{14F2D14D-0E8C-403F-8E70-6C4516FA5078}">
-      <dsp:nvSpPr>
-        <dsp:cNvPr id="0" name=""/>
-        <dsp:cNvSpPr/>
-      </dsp:nvSpPr>
-      <dsp:spPr>
-        <a:xfrm>
-          <a:off x="1967363" y="-508"/>
-          <a:ext cx="4294873" cy="4294873"/>
-        </a:xfrm>
-        <a:prstGeom prst="circularArrow">
-          <a:avLst>
-            <a:gd name="adj1" fmla="val 5200"/>
-            <a:gd name="adj2" fmla="val 335879"/>
-            <a:gd name="adj3" fmla="val 16865829"/>
-            <a:gd name="adj4" fmla="val 15198292"/>
-            <a:gd name="adj5" fmla="val 6066"/>
-          </a:avLst>
-        </a:prstGeom>
-        <a:solidFill>
-          <a:schemeClr val="accent6">
-            <a:hueOff val="0"/>
-            <a:satOff val="0"/>
-            <a:lumOff val="0"/>
-            <a:alphaOff val="0"/>
-          </a:schemeClr>
-        </a:solidFill>
-        <a:ln w="48000" cap="flat" cmpd="thickThin" algn="ctr">
-          <a:solidFill>
-            <a:schemeClr val="lt1">
-              <a:hueOff val="0"/>
-              <a:satOff val="0"/>
-              <a:lumOff val="0"/>
-              <a:alphaOff val="0"/>
-            </a:schemeClr>
-          </a:solidFill>
-          <a:prstDash val="solid"/>
-        </a:ln>
-        <a:effectLst/>
-      </dsp:spPr>
-      <dsp:style>
-        <a:lnRef idx="2">
-          <a:scrgbClr r="0" g="0" b="0"/>
-        </a:lnRef>
-        <a:fillRef idx="1">
-          <a:scrgbClr r="0" g="0" b="0"/>
-        </a:fillRef>
-        <a:effectRef idx="0">
-          <a:scrgbClr r="0" g="0" b="0"/>
-        </a:effectRef>
-        <a:fontRef idx="minor">
-          <a:schemeClr val="lt1"/>
-        </a:fontRef>
-      </dsp:style>
-    </dsp:sp>
   </dsp:spTree>
 </dsp:drawing>
 </file>
@@ -7177,7 +6598,6 @@
               <a:rPr lang="es-CO" sz="1600" dirty="0" smtClean="0"/>
               <a:t>Objetivos</a:t>
             </a:r>
-            <a:endParaRPr lang="es-CO" sz="1600" dirty="0" smtClean="0"/>
           </a:p>
           <a:p>
             <a:pPr algn="just"/>
@@ -7197,8 +6617,13 @@
             <a:pPr algn="just"/>
             <a:r>
               <a:rPr lang="es-ES" sz="2000" dirty="0" smtClean="0"/>
-              <a:t>Problemas identificados</a:t>
-            </a:r>
+              <a:t>Gestión </a:t>
+            </a:r>
+            <a:r>
+              <a:rPr lang="es-ES" sz="2000" smtClean="0"/>
+              <a:t>de riesgos</a:t>
+            </a:r>
+            <a:endParaRPr lang="es-ES" sz="2000" dirty="0" smtClean="0"/>
           </a:p>
           <a:p>
             <a:pPr algn="just"/>
@@ -7206,7 +6631,6 @@
               <a:rPr lang="es-CO" sz="2000" dirty="0" smtClean="0"/>
               <a:t>PIP</a:t>
             </a:r>
-            <a:endParaRPr lang="es-CO" sz="2000" dirty="0" smtClean="0"/>
           </a:p>
           <a:p>
             <a:pPr algn="just"/>
@@ -8134,13 +7558,7 @@
                         <a:rPr lang="es-CO" sz="1200" b="1" u="none" strike="noStrike" dirty="0" smtClean="0">
                           <a:latin typeface="Calibri" pitchFamily="34" charset="0"/>
                         </a:rPr>
-                        <a:t>(LOC/h</a:t>
-                      </a:r>
-                      <a:r>
-                        <a:rPr lang="es-CO" sz="1200" b="1" u="none" strike="noStrike" dirty="0" smtClean="0">
-                          <a:latin typeface="Calibri" pitchFamily="34" charset="0"/>
-                        </a:rPr>
-                        <a:t>)</a:t>
+                        <a:t>(LOC/h)</a:t>
                       </a:r>
                       <a:endParaRPr lang="en-US" sz="1200" b="1" i="0" u="none" strike="noStrike" dirty="0">
                         <a:solidFill>
@@ -9354,7 +8772,6 @@
               <a:rPr lang="es-CO" sz="1800" dirty="0" smtClean="0"/>
               <a:t>Ciclo </a:t>
             </a:r>
-            <a:endParaRPr lang="es-CO" sz="1800" dirty="0" smtClean="0"/>
           </a:p>
           <a:p>
             <a:pPr lvl="1" algn="just"/>
@@ -9362,7 +8779,6 @@
               <a:rPr lang="es-CO" sz="1400" dirty="0" smtClean="0"/>
               <a:t>Objetivos</a:t>
             </a:r>
-            <a:endParaRPr lang="es-CO" sz="1400" dirty="0" smtClean="0"/>
           </a:p>
           <a:p>
             <a:pPr lvl="1" algn="just"/>
@@ -9376,13 +8792,8 @@
             <a:pPr lvl="1" algn="just"/>
             <a:r>
               <a:rPr lang="es-CO" sz="1400" dirty="0" smtClean="0"/>
-              <a:t>Plan </a:t>
-            </a:r>
-            <a:r>
-              <a:rPr lang="es-CO" sz="1400" dirty="0" smtClean="0"/>
-              <a:t>de actividades</a:t>
-            </a:r>
-            <a:endParaRPr lang="es-CO" sz="1400" dirty="0" smtClean="0"/>
+              <a:t>Plan de actividades</a:t>
+            </a:r>
           </a:p>
           <a:p>
             <a:pPr lvl="1" algn="just"/>
@@ -9390,7 +8801,6 @@
               <a:rPr lang="es-CO" sz="1400" dirty="0" smtClean="0"/>
               <a:t>Requerimientos</a:t>
             </a:r>
-            <a:endParaRPr lang="es-CO" sz="1400" dirty="0" smtClean="0"/>
           </a:p>
           <a:p>
             <a:pPr lvl="1" algn="just"/>

--- a/CSOF5104 Mejoramiento de Procesos de Software/0806PostmortemProyectoECOS.pptx
+++ b/CSOF5104 Mejoramiento de Procesos de Software/0806PostmortemProyectoECOS.pptx
@@ -6476,6 +6476,13 @@
         </dgm:presLayoutVars>
       </dgm:prSet>
       <dgm:spPr/>
+      <dgm:t>
+        <a:bodyPr/>
+        <a:lstStyle/>
+        <a:p>
+          <a:endParaRPr lang="es-CO"/>
+        </a:p>
+      </dgm:t>
     </dgm:pt>
     <dgm:pt modelId="{808387F4-228C-48D6-97B9-EAFC66BD4687}" type="pres">
       <dgm:prSet presAssocID="{0E90E9D0-9383-42C5-ADB2-CF4D55189663}" presName="comp" presStyleCnt="0"/>
@@ -6565,13 +6572,13 @@
     </dgm:pt>
   </dgm:ptLst>
   <dgm:cxnLst>
-    <dgm:cxn modelId="{15F5966B-94C5-46D6-A99A-6A3253149328}" type="presOf" srcId="{0E90E9D0-9383-42C5-ADB2-CF4D55189663}" destId="{831CC9E5-A622-40B2-9442-A1B9826EFE53}" srcOrd="0" destOrd="0" presId="urn:microsoft.com/office/officeart/2005/8/layout/vList4"/>
-    <dgm:cxn modelId="{EC2EAFC1-36C1-4C6B-A7DB-C7DDDCA0EC63}" type="presOf" srcId="{80E1858E-EBFD-4F69-A32B-B4792E827DA7}" destId="{9FADBC00-E2A7-42B2-9A58-1DF1AE0AEDD4}" srcOrd="0" destOrd="0" presId="urn:microsoft.com/office/officeart/2005/8/layout/vList4"/>
-    <dgm:cxn modelId="{64D81859-6564-410D-BFD6-335F9197A499}" srcId="{80E1858E-EBFD-4F69-A32B-B4792E827DA7}" destId="{0E90E9D0-9383-42C5-ADB2-CF4D55189663}" srcOrd="0" destOrd="0" parTransId="{E78378F7-FCD9-4987-86C8-233A3EC3931F}" sibTransId="{D683D3C8-FF78-4CE2-A1BB-C9AA778186D8}"/>
-    <dgm:cxn modelId="{1E1F6B96-AFC6-4925-8468-ACB8777C08FD}" type="presOf" srcId="{EA55E863-5718-45AC-BEA6-4844ED83959F}" destId="{AA312BF6-B69E-4A8D-B98B-6EFD082C7689}" srcOrd="0" destOrd="0" presId="urn:microsoft.com/office/officeart/2005/8/layout/vList4"/>
     <dgm:cxn modelId="{0F2145B0-4EDC-4BEC-9AF8-9E36BBA4C85F}" type="presOf" srcId="{0E90E9D0-9383-42C5-ADB2-CF4D55189663}" destId="{F4137E18-6B34-4C61-86F2-32C70A31F92A}" srcOrd="1" destOrd="0" presId="urn:microsoft.com/office/officeart/2005/8/layout/vList4"/>
     <dgm:cxn modelId="{B56FA0AB-250E-47E9-8E61-67450C5684C3}" type="presOf" srcId="{EA55E863-5718-45AC-BEA6-4844ED83959F}" destId="{9E9FE194-C83B-4A75-9414-293596D928B5}" srcOrd="1" destOrd="0" presId="urn:microsoft.com/office/officeart/2005/8/layout/vList4"/>
+    <dgm:cxn modelId="{EC2EAFC1-36C1-4C6B-A7DB-C7DDDCA0EC63}" type="presOf" srcId="{80E1858E-EBFD-4F69-A32B-B4792E827DA7}" destId="{9FADBC00-E2A7-42B2-9A58-1DF1AE0AEDD4}" srcOrd="0" destOrd="0" presId="urn:microsoft.com/office/officeart/2005/8/layout/vList4"/>
     <dgm:cxn modelId="{10120B8F-ACC0-4977-BF94-33CEF929EF6B}" srcId="{80E1858E-EBFD-4F69-A32B-B4792E827DA7}" destId="{EA55E863-5718-45AC-BEA6-4844ED83959F}" srcOrd="1" destOrd="0" parTransId="{B28B68E8-146D-4B9C-813A-C47CCFFA8E13}" sibTransId="{22E6BF36-0CB3-4485-8D13-404A8EE793F1}"/>
+    <dgm:cxn modelId="{15F5966B-94C5-46D6-A99A-6A3253149328}" type="presOf" srcId="{0E90E9D0-9383-42C5-ADB2-CF4D55189663}" destId="{831CC9E5-A622-40B2-9442-A1B9826EFE53}" srcOrd="0" destOrd="0" presId="urn:microsoft.com/office/officeart/2005/8/layout/vList4"/>
+    <dgm:cxn modelId="{1E1F6B96-AFC6-4925-8468-ACB8777C08FD}" type="presOf" srcId="{EA55E863-5718-45AC-BEA6-4844ED83959F}" destId="{AA312BF6-B69E-4A8D-B98B-6EFD082C7689}" srcOrd="0" destOrd="0" presId="urn:microsoft.com/office/officeart/2005/8/layout/vList4"/>
+    <dgm:cxn modelId="{64D81859-6564-410D-BFD6-335F9197A499}" srcId="{80E1858E-EBFD-4F69-A32B-B4792E827DA7}" destId="{0E90E9D0-9383-42C5-ADB2-CF4D55189663}" srcOrd="0" destOrd="0" parTransId="{E78378F7-FCD9-4987-86C8-233A3EC3931F}" sibTransId="{D683D3C8-FF78-4CE2-A1BB-C9AA778186D8}"/>
     <dgm:cxn modelId="{70BF67E4-C0D4-4E64-B85E-1DC52328C951}" type="presParOf" srcId="{9FADBC00-E2A7-42B2-9A58-1DF1AE0AEDD4}" destId="{808387F4-228C-48D6-97B9-EAFC66BD4687}" srcOrd="0" destOrd="0" presId="urn:microsoft.com/office/officeart/2005/8/layout/vList4"/>
     <dgm:cxn modelId="{B40D6E9F-A9C7-4346-93C0-1256588739FC}" type="presParOf" srcId="{808387F4-228C-48D6-97B9-EAFC66BD4687}" destId="{831CC9E5-A622-40B2-9442-A1B9826EFE53}" srcOrd="0" destOrd="0" presId="urn:microsoft.com/office/officeart/2005/8/layout/vList4"/>
     <dgm:cxn modelId="{006009F0-EBBB-4609-9FEF-20FF9C4F4456}" type="presParOf" srcId="{808387F4-228C-48D6-97B9-EAFC66BD4687}" destId="{63A1E216-DF9E-49C1-8BEB-21638D5E6436}" srcOrd="1" destOrd="0" presId="urn:microsoft.com/office/officeart/2005/8/layout/vList4"/>
@@ -7033,8 +7040,8 @@
     <dgm:cxn modelId="{A720D49A-72D4-4543-8023-233FBEAD484B}" srcId="{02B07DF4-9ED8-4DEF-AC4A-93EB19E6F104}" destId="{F4AF6CB4-F82B-4765-9FBD-E679158BCFCA}" srcOrd="1" destOrd="0" parTransId="{B8181D1A-8FE9-45A1-BFC5-855B554DC17B}" sibTransId="{A031A12F-D9FA-4C6A-A03B-E3EA47DE918C}"/>
     <dgm:cxn modelId="{03243BDD-6A59-4009-81C9-2E2B84F43981}" type="presOf" srcId="{02B07DF4-9ED8-4DEF-AC4A-93EB19E6F104}" destId="{C003DF8F-4C79-47F4-B81F-351860C58F1B}" srcOrd="1" destOrd="0" presId="urn:microsoft.com/office/officeart/2005/8/layout/list1"/>
     <dgm:cxn modelId="{49FB4671-4433-4E20-8F05-7A4228AD5CB1}" srcId="{02B07DF4-9ED8-4DEF-AC4A-93EB19E6F104}" destId="{9322CC73-279D-4210-8B50-CF913AAB1FF2}" srcOrd="4" destOrd="0" parTransId="{709308F9-F258-42DC-BE55-65257B607226}" sibTransId="{B9BE6F2F-6FE9-424F-A7B3-1D2037FE9022}"/>
+    <dgm:cxn modelId="{B46C028D-B47A-4A69-9CDC-0D02C2B53EE9}" srcId="{43E0F145-0D73-40F4-96E3-81446CEBABAA}" destId="{02B07DF4-9ED8-4DEF-AC4A-93EB19E6F104}" srcOrd="0" destOrd="0" parTransId="{B9201980-DF7A-4460-A01F-DDCE7EA28DEA}" sibTransId="{04538160-5A04-4923-B642-2912AA1075F6}"/>
     <dgm:cxn modelId="{2A5E96A8-5833-4E70-8842-E5C0F12CCB50}" type="presOf" srcId="{8C856B68-D767-48BD-ADA2-734A375DA130}" destId="{BD62E7D3-7DF5-450D-8295-F6C23B1CE370}" srcOrd="0" destOrd="0" presId="urn:microsoft.com/office/officeart/2005/8/layout/list1"/>
-    <dgm:cxn modelId="{B46C028D-B47A-4A69-9CDC-0D02C2B53EE9}" srcId="{43E0F145-0D73-40F4-96E3-81446CEBABAA}" destId="{02B07DF4-9ED8-4DEF-AC4A-93EB19E6F104}" srcOrd="0" destOrd="0" parTransId="{B9201980-DF7A-4460-A01F-DDCE7EA28DEA}" sibTransId="{04538160-5A04-4923-B642-2912AA1075F6}"/>
     <dgm:cxn modelId="{238D23AE-3C2D-4CB1-ADDD-52A9FAD6CA9A}" type="presParOf" srcId="{B08FB843-59FB-487C-B95B-06EE9E32D657}" destId="{FE9380FE-31BF-4C44-8671-195941ED371B}" srcOrd="0" destOrd="0" presId="urn:microsoft.com/office/officeart/2005/8/layout/list1"/>
     <dgm:cxn modelId="{DE849E91-03F3-4E17-8870-9CFF999A1F68}" type="presParOf" srcId="{FE9380FE-31BF-4C44-8671-195941ED371B}" destId="{13594C7C-3A47-4BB3-87E4-47D5E6365B21}" srcOrd="0" destOrd="0" presId="urn:microsoft.com/office/officeart/2005/8/layout/list1"/>
     <dgm:cxn modelId="{C4452F12-87D4-4AD2-9135-1D42BE4444EC}" type="presParOf" srcId="{FE9380FE-31BF-4C44-8671-195941ED371B}" destId="{C003DF8F-4C79-47F4-B81F-351860C58F1B}" srcOrd="1" destOrd="0" presId="urn:microsoft.com/office/officeart/2005/8/layout/list1"/>
@@ -7520,8 +7527,8 @@
     </dgm:pt>
   </dgm:ptLst>
   <dgm:cxnLst>
+    <dgm:cxn modelId="{CFACEEC2-9690-42EA-8336-0262617A7D79}" type="presOf" srcId="{0DDBDFC1-BA90-4404-B81A-D20D30379317}" destId="{60814FAF-626D-45B0-B83B-189B870CB1C5}" srcOrd="0" destOrd="0" presId="urn:microsoft.com/office/officeart/2005/8/layout/vList2"/>
     <dgm:cxn modelId="{E4147029-317E-404E-A9FF-17B004F5AC0C}" srcId="{54CEF6D2-CB04-47E7-8CED-66EA9D7CC2EE}" destId="{0FBD0867-6036-44CB-9499-15F2F19B44FA}" srcOrd="3" destOrd="0" parTransId="{DFDD52A2-5A05-4E14-B23D-D072946A7EEB}" sibTransId="{78ECEE6D-C307-40B7-A5E9-6ADDD2E992A2}"/>
-    <dgm:cxn modelId="{CFACEEC2-9690-42EA-8336-0262617A7D79}" type="presOf" srcId="{0DDBDFC1-BA90-4404-B81A-D20D30379317}" destId="{60814FAF-626D-45B0-B83B-189B870CB1C5}" srcOrd="0" destOrd="0" presId="urn:microsoft.com/office/officeart/2005/8/layout/vList2"/>
     <dgm:cxn modelId="{393814E1-41D1-4A4C-935A-2D254806A72E}" srcId="{54CEF6D2-CB04-47E7-8CED-66EA9D7CC2EE}" destId="{0DDBDFC1-BA90-4404-B81A-D20D30379317}" srcOrd="5" destOrd="0" parTransId="{AB5F6789-DDA4-438B-B0FF-B6F904617849}" sibTransId="{06A009CB-A562-4975-8FD0-875E8FBB2AC2}"/>
     <dgm:cxn modelId="{04E26D9E-BD80-4A50-907B-5D53BDFBC83E}" type="presOf" srcId="{0FBD0867-6036-44CB-9499-15F2F19B44FA}" destId="{A756CA6B-6CC6-40BD-9DE0-AF5CD9850560}" srcOrd="0" destOrd="0" presId="urn:microsoft.com/office/officeart/2005/8/layout/vList2"/>
     <dgm:cxn modelId="{FF304ABC-2763-4B9B-9E4B-747FB79720D4}" srcId="{54CEF6D2-CB04-47E7-8CED-66EA9D7CC2EE}" destId="{84715991-0EEF-422D-9131-D043E2EFF107}" srcOrd="4" destOrd="0" parTransId="{C7673A18-03AA-4726-BCB7-7EE4AD7874BE}" sibTransId="{162B0B74-E683-4DF9-B36A-5A7A29EEC0B6}"/>
@@ -7840,6 +7847,13 @@
         </dgm:presLayoutVars>
       </dgm:prSet>
       <dgm:spPr/>
+      <dgm:t>
+        <a:bodyPr/>
+        <a:lstStyle/>
+        <a:p>
+          <a:endParaRPr lang="es-CO"/>
+        </a:p>
+      </dgm:t>
     </dgm:pt>
     <dgm:pt modelId="{1D980B3B-FDB3-40EE-9E5B-0322D1085E7C}" type="pres">
       <dgm:prSet presAssocID="{95234B80-2DE4-4793-B797-2ECDCA7D144E}" presName="cycle" presStyleCnt="0"/>
@@ -7852,10 +7866,24 @@
         </dgm:presLayoutVars>
       </dgm:prSet>
       <dgm:spPr/>
+      <dgm:t>
+        <a:bodyPr/>
+        <a:lstStyle/>
+        <a:p>
+          <a:endParaRPr lang="es-CO"/>
+        </a:p>
+      </dgm:t>
     </dgm:pt>
     <dgm:pt modelId="{C7FB5FC6-FC9E-40FD-8692-4A17A0C7ED48}" type="pres">
       <dgm:prSet presAssocID="{30EC2340-418E-46EE-86E2-75673E8D2BFD}" presName="sibTransFirstNode" presStyleLbl="bgShp" presStyleIdx="0" presStyleCnt="1"/>
       <dgm:spPr/>
+      <dgm:t>
+        <a:bodyPr/>
+        <a:lstStyle/>
+        <a:p>
+          <a:endParaRPr lang="es-CO"/>
+        </a:p>
+      </dgm:t>
     </dgm:pt>
     <dgm:pt modelId="{1F6E0315-C9ED-4579-9DE7-58C8999DE2A0}" type="pres">
       <dgm:prSet presAssocID="{D0B1B1F4-B16D-40A6-A629-C60EBADF9834}" presName="nodeFollowingNodes" presStyleLbl="node1" presStyleIdx="1" presStyleCnt="7">
@@ -7949,22 +7977,22 @@
     </dgm:pt>
   </dgm:ptLst>
   <dgm:cxnLst>
-    <dgm:cxn modelId="{B31C4E54-B215-4C1A-B5AE-2498913F12FB}" type="presOf" srcId="{07AED391-5B86-42CA-A57C-D16E31066261}" destId="{1B538F08-F5D1-4F4F-8FCA-233AE1956F14}" srcOrd="0" destOrd="0" presId="urn:microsoft.com/office/officeart/2005/8/layout/cycle3"/>
+    <dgm:cxn modelId="{D82A34EC-6C26-454F-A747-59CD99636A8D}" srcId="{95234B80-2DE4-4793-B797-2ECDCA7D144E}" destId="{1CBCC7C5-65B9-4EDB-82AD-2E0905013485}" srcOrd="4" destOrd="0" parTransId="{C81A8A8F-AA7B-4678-951B-1F27A9F4D785}" sibTransId="{D41752F8-6E99-4939-833C-9061B23961AC}"/>
+    <dgm:cxn modelId="{F7E1C05D-8BC6-4A9B-8A61-8C47AC3089A9}" srcId="{95234B80-2DE4-4793-B797-2ECDCA7D144E}" destId="{F22641B9-0409-4D28-83E3-041FA3F396D8}" srcOrd="0" destOrd="0" parTransId="{F2BC7CC2-854A-43C4-937F-E72C55F49A8A}" sibTransId="{30EC2340-418E-46EE-86E2-75673E8D2BFD}"/>
     <dgm:cxn modelId="{935DF7D0-C535-4010-8883-F26AFDBEB996}" srcId="{95234B80-2DE4-4793-B797-2ECDCA7D144E}" destId="{7E793118-6C98-4760-8BAE-740DAC0208FE}" srcOrd="5" destOrd="0" parTransId="{2D036589-1637-47D0-8BBE-18FD98566CAE}" sibTransId="{95A35ADA-B896-44C8-A516-07AE55CDFB69}"/>
-    <dgm:cxn modelId="{A6B4F85E-CB6A-435A-8553-5D6A8569892A}" type="presOf" srcId="{7E793118-6C98-4760-8BAE-740DAC0208FE}" destId="{C10B2708-983C-4B80-9DE4-5B151A96ED07}" srcOrd="0" destOrd="0" presId="urn:microsoft.com/office/officeart/2005/8/layout/cycle3"/>
+    <dgm:cxn modelId="{6E46034E-5242-4A39-A345-0E13C2933D1B}" type="presOf" srcId="{95234B80-2DE4-4793-B797-2ECDCA7D144E}" destId="{4B33E8EF-D81C-4DC9-8EE5-45583337CD14}" srcOrd="0" destOrd="0" presId="urn:microsoft.com/office/officeart/2005/8/layout/cycle3"/>
     <dgm:cxn modelId="{92E819E4-0FB8-4F7A-A0D7-8B6D5F70C9CB}" type="presOf" srcId="{94211A93-7541-4458-9806-41B3EE80B864}" destId="{68964270-EAB7-4B6A-87B0-E97AA14A5964}" srcOrd="0" destOrd="0" presId="urn:microsoft.com/office/officeart/2005/8/layout/cycle3"/>
-    <dgm:cxn modelId="{546F5064-A0D0-427C-9BC9-09B9503AFFD2}" type="presOf" srcId="{F22641B9-0409-4D28-83E3-041FA3F396D8}" destId="{E67FFCF5-0FB0-4FC0-90CC-DCDF08EE81B2}" srcOrd="0" destOrd="0" presId="urn:microsoft.com/office/officeart/2005/8/layout/cycle3"/>
-    <dgm:cxn modelId="{D82A34EC-6C26-454F-A747-59CD99636A8D}" srcId="{95234B80-2DE4-4793-B797-2ECDCA7D144E}" destId="{1CBCC7C5-65B9-4EDB-82AD-2E0905013485}" srcOrd="4" destOrd="0" parTransId="{C81A8A8F-AA7B-4678-951B-1F27A9F4D785}" sibTransId="{D41752F8-6E99-4939-833C-9061B23961AC}"/>
-    <dgm:cxn modelId="{6E46034E-5242-4A39-A345-0E13C2933D1B}" type="presOf" srcId="{95234B80-2DE4-4793-B797-2ECDCA7D144E}" destId="{4B33E8EF-D81C-4DC9-8EE5-45583337CD14}" srcOrd="0" destOrd="0" presId="urn:microsoft.com/office/officeart/2005/8/layout/cycle3"/>
-    <dgm:cxn modelId="{BCBFBD13-A2ED-42CC-9D86-48B696F65A0D}" type="presOf" srcId="{D0B1B1F4-B16D-40A6-A629-C60EBADF9834}" destId="{1F6E0315-C9ED-4579-9DE7-58C8999DE2A0}" srcOrd="0" destOrd="0" presId="urn:microsoft.com/office/officeart/2005/8/layout/cycle3"/>
-    <dgm:cxn modelId="{F7E1C05D-8BC6-4A9B-8A61-8C47AC3089A9}" srcId="{95234B80-2DE4-4793-B797-2ECDCA7D144E}" destId="{F22641B9-0409-4D28-83E3-041FA3F396D8}" srcOrd="0" destOrd="0" parTransId="{F2BC7CC2-854A-43C4-937F-E72C55F49A8A}" sibTransId="{30EC2340-418E-46EE-86E2-75673E8D2BFD}"/>
-    <dgm:cxn modelId="{71CE10C3-F103-4B4A-B67C-4D9BF1CF5F5D}" srcId="{95234B80-2DE4-4793-B797-2ECDCA7D144E}" destId="{8CBFFC96-F0EC-447B-A51E-585987FDCFFC}" srcOrd="6" destOrd="0" parTransId="{CB2BFEAB-BBD4-4EA0-8C6E-989682FA0437}" sibTransId="{B594F0C4-5C69-4F47-9008-15D7182CC70F}"/>
+    <dgm:cxn modelId="{52E34CC0-0C8B-4C79-9FAB-6C0F24103E5A}" type="presOf" srcId="{8CBFFC96-F0EC-447B-A51E-585987FDCFFC}" destId="{F43EFAA1-38C8-4589-AC25-8C700AE11E26}" srcOrd="0" destOrd="0" presId="urn:microsoft.com/office/officeart/2005/8/layout/cycle3"/>
+    <dgm:cxn modelId="{EEE7FBF9-99B7-483F-A2B9-14627FE7C013}" type="presOf" srcId="{1CBCC7C5-65B9-4EDB-82AD-2E0905013485}" destId="{3136A33A-0A4E-4615-A7D9-BEBBCE7603B1}" srcOrd="0" destOrd="0" presId="urn:microsoft.com/office/officeart/2005/8/layout/cycle3"/>
     <dgm:cxn modelId="{D69ACDBC-1863-4B48-9707-4AD9D3D80E1A}" srcId="{95234B80-2DE4-4793-B797-2ECDCA7D144E}" destId="{07AED391-5B86-42CA-A57C-D16E31066261}" srcOrd="2" destOrd="0" parTransId="{149CC410-C6C6-4ABC-B606-1657DF109CA4}" sibTransId="{A305876D-5189-4625-87F2-9B0A50FCF8D5}"/>
-    <dgm:cxn modelId="{EEE7FBF9-99B7-483F-A2B9-14627FE7C013}" type="presOf" srcId="{1CBCC7C5-65B9-4EDB-82AD-2E0905013485}" destId="{3136A33A-0A4E-4615-A7D9-BEBBCE7603B1}" srcOrd="0" destOrd="0" presId="urn:microsoft.com/office/officeart/2005/8/layout/cycle3"/>
     <dgm:cxn modelId="{CA7F2784-ED79-4283-BDD1-3DAF2993F37C}" srcId="{95234B80-2DE4-4793-B797-2ECDCA7D144E}" destId="{D0B1B1F4-B16D-40A6-A629-C60EBADF9834}" srcOrd="1" destOrd="0" parTransId="{6E4F2068-4A06-44F4-ACEB-537ED0E98A0C}" sibTransId="{3DCD17FA-5194-4FCB-953A-A0255E01C9E1}"/>
     <dgm:cxn modelId="{EE3F9829-5463-496A-8413-90A84ACA9995}" type="presOf" srcId="{30EC2340-418E-46EE-86E2-75673E8D2BFD}" destId="{C7FB5FC6-FC9E-40FD-8692-4A17A0C7ED48}" srcOrd="0" destOrd="0" presId="urn:microsoft.com/office/officeart/2005/8/layout/cycle3"/>
+    <dgm:cxn modelId="{A6B4F85E-CB6A-435A-8553-5D6A8569892A}" type="presOf" srcId="{7E793118-6C98-4760-8BAE-740DAC0208FE}" destId="{C10B2708-983C-4B80-9DE4-5B151A96ED07}" srcOrd="0" destOrd="0" presId="urn:microsoft.com/office/officeart/2005/8/layout/cycle3"/>
     <dgm:cxn modelId="{D48226E8-3B04-4867-966E-AA0F6AB2D8FE}" srcId="{95234B80-2DE4-4793-B797-2ECDCA7D144E}" destId="{94211A93-7541-4458-9806-41B3EE80B864}" srcOrd="3" destOrd="0" parTransId="{9AEA9CB3-4978-4CF7-BFB8-044A3BAFA8BF}" sibTransId="{0E4714AF-210E-454B-B51B-522E0FF3C5ED}"/>
-    <dgm:cxn modelId="{52E34CC0-0C8B-4C79-9FAB-6C0F24103E5A}" type="presOf" srcId="{8CBFFC96-F0EC-447B-A51E-585987FDCFFC}" destId="{F43EFAA1-38C8-4589-AC25-8C700AE11E26}" srcOrd="0" destOrd="0" presId="urn:microsoft.com/office/officeart/2005/8/layout/cycle3"/>
+    <dgm:cxn modelId="{546F5064-A0D0-427C-9BC9-09B9503AFFD2}" type="presOf" srcId="{F22641B9-0409-4D28-83E3-041FA3F396D8}" destId="{E67FFCF5-0FB0-4FC0-90CC-DCDF08EE81B2}" srcOrd="0" destOrd="0" presId="urn:microsoft.com/office/officeart/2005/8/layout/cycle3"/>
+    <dgm:cxn modelId="{71CE10C3-F103-4B4A-B67C-4D9BF1CF5F5D}" srcId="{95234B80-2DE4-4793-B797-2ECDCA7D144E}" destId="{8CBFFC96-F0EC-447B-A51E-585987FDCFFC}" srcOrd="6" destOrd="0" parTransId="{CB2BFEAB-BBD4-4EA0-8C6E-989682FA0437}" sibTransId="{B594F0C4-5C69-4F47-9008-15D7182CC70F}"/>
+    <dgm:cxn modelId="{B31C4E54-B215-4C1A-B5AE-2498913F12FB}" type="presOf" srcId="{07AED391-5B86-42CA-A57C-D16E31066261}" destId="{1B538F08-F5D1-4F4F-8FCA-233AE1956F14}" srcOrd="0" destOrd="0" presId="urn:microsoft.com/office/officeart/2005/8/layout/cycle3"/>
+    <dgm:cxn modelId="{BCBFBD13-A2ED-42CC-9D86-48B696F65A0D}" type="presOf" srcId="{D0B1B1F4-B16D-40A6-A629-C60EBADF9834}" destId="{1F6E0315-C9ED-4579-9DE7-58C8999DE2A0}" srcOrd="0" destOrd="0" presId="urn:microsoft.com/office/officeart/2005/8/layout/cycle3"/>
     <dgm:cxn modelId="{9B9FDA8C-A760-4C59-B6FB-D509D7D75DA9}" type="presParOf" srcId="{4B33E8EF-D81C-4DC9-8EE5-45583337CD14}" destId="{1D980B3B-FDB3-40EE-9E5B-0322D1085E7C}" srcOrd="0" destOrd="0" presId="urn:microsoft.com/office/officeart/2005/8/layout/cycle3"/>
     <dgm:cxn modelId="{45A004B3-4263-4828-BF8F-1447F68D5E0A}" type="presParOf" srcId="{1D980B3B-FDB3-40EE-9E5B-0322D1085E7C}" destId="{E67FFCF5-0FB0-4FC0-90CC-DCDF08EE81B2}" srcOrd="0" destOrd="0" presId="urn:microsoft.com/office/officeart/2005/8/layout/cycle3"/>
     <dgm:cxn modelId="{D64ADB0C-888E-483B-B275-E034A84E431A}" type="presParOf" srcId="{1D980B3B-FDB3-40EE-9E5B-0322D1085E7C}" destId="{C7FB5FC6-FC9E-40FD-8692-4A17A0C7ED48}" srcOrd="1" destOrd="0" presId="urn:microsoft.com/office/officeart/2005/8/layout/cycle3"/>
@@ -8315,6 +8343,13 @@
         </dgm:presLayoutVars>
       </dgm:prSet>
       <dgm:spPr/>
+      <dgm:t>
+        <a:bodyPr/>
+        <a:lstStyle/>
+        <a:p>
+          <a:endParaRPr lang="es-CO"/>
+        </a:p>
+      </dgm:t>
     </dgm:pt>
     <dgm:pt modelId="{2576CEFD-91BD-4640-92EA-2740349C7E4A}" type="pres">
       <dgm:prSet presAssocID="{732DDB7C-FDA5-4645-A1F0-BDF47501925F}" presName="parentText" presStyleLbl="node1" presStyleIdx="0" presStyleCnt="2" custLinFactNeighborX="-51250" custLinFactNeighborY="-3021">
@@ -8324,6 +8359,13 @@
         </dgm:presLayoutVars>
       </dgm:prSet>
       <dgm:spPr/>
+      <dgm:t>
+        <a:bodyPr/>
+        <a:lstStyle/>
+        <a:p>
+          <a:endParaRPr lang="es-CO"/>
+        </a:p>
+      </dgm:t>
     </dgm:pt>
     <dgm:pt modelId="{8B1E1615-802A-4929-B4D5-FF64A5260C5F}" type="pres">
       <dgm:prSet presAssocID="{732DDB7C-FDA5-4645-A1F0-BDF47501925F}" presName="childText" presStyleLbl="revTx" presStyleIdx="0" presStyleCnt="2">
@@ -8377,15 +8419,15 @@
     <dgm:cxn modelId="{DBDCBACA-76C6-4A63-8E05-869BA2B680EF}" srcId="{CA75FD2A-2DFD-4F6B-A457-6FC188C2D525}" destId="{A862503A-8FB4-4463-A83C-6F23FC36AA08}" srcOrd="0" destOrd="0" parTransId="{28714A59-F9A4-4407-B09B-B0D6941EAB13}" sibTransId="{00B08CBC-A1ED-47BD-A520-E8A1981951EE}"/>
     <dgm:cxn modelId="{8D4E0245-8097-41B8-9648-5D4562C0B73B}" type="presOf" srcId="{CA75FD2A-2DFD-4F6B-A457-6FC188C2D525}" destId="{9D733DD2-DB15-43E2-B3EC-E901E3D11431}" srcOrd="0" destOrd="0" presId="urn:microsoft.com/office/officeart/2005/8/layout/vList2"/>
     <dgm:cxn modelId="{9B98569B-C3C7-4CF6-9F94-97D1CE950874}" type="presOf" srcId="{732DDB7C-FDA5-4645-A1F0-BDF47501925F}" destId="{2576CEFD-91BD-4640-92EA-2740349C7E4A}" srcOrd="0" destOrd="0" presId="urn:microsoft.com/office/officeart/2005/8/layout/vList2"/>
+    <dgm:cxn modelId="{56BCA0A2-4A28-43C4-AF3E-D7D01A81A6A7}" srcId="{732DDB7C-FDA5-4645-A1F0-BDF47501925F}" destId="{CDDDA28F-9E0D-4C78-B8B2-499FDA60B2D2}" srcOrd="0" destOrd="0" parTransId="{0EF05F47-25E4-4A3E-9970-076B9909DDDA}" sibTransId="{166768EE-FD7A-43A0-ADD0-2FC0B928DCF6}"/>
     <dgm:cxn modelId="{C4506C16-D675-46B0-89D1-AD77C8032204}" type="presOf" srcId="{A862503A-8FB4-4463-A83C-6F23FC36AA08}" destId="{9354AA34-114D-4478-8288-51A7DA15B36A}" srcOrd="0" destOrd="0" presId="urn:microsoft.com/office/officeart/2005/8/layout/vList2"/>
-    <dgm:cxn modelId="{56BCA0A2-4A28-43C4-AF3E-D7D01A81A6A7}" srcId="{732DDB7C-FDA5-4645-A1F0-BDF47501925F}" destId="{CDDDA28F-9E0D-4C78-B8B2-499FDA60B2D2}" srcOrd="0" destOrd="0" parTransId="{0EF05F47-25E4-4A3E-9970-076B9909DDDA}" sibTransId="{166768EE-FD7A-43A0-ADD0-2FC0B928DCF6}"/>
+    <dgm:cxn modelId="{EB4C206D-69AE-4DE2-886E-31A67FAD6D26}" srcId="{CA75FD2A-2DFD-4F6B-A457-6FC188C2D525}" destId="{9C6BCFF1-DB4F-4638-BF14-D80745DDD8D0}" srcOrd="1" destOrd="0" parTransId="{F9DA0429-5FB9-4134-81A8-30233A4E9C1F}" sibTransId="{27E34787-3A0D-4097-A763-6EEDF1DC54B7}"/>
     <dgm:cxn modelId="{8D8EBE54-1C2E-4314-ACB6-8DDEF708338F}" type="presOf" srcId="{26637C77-31E5-42BA-85AA-221E086FEF39}" destId="{ABCA4295-0CF3-410B-8073-78C8E29312E0}" srcOrd="0" destOrd="0" presId="urn:microsoft.com/office/officeart/2005/8/layout/vList2"/>
-    <dgm:cxn modelId="{EB4C206D-69AE-4DE2-886E-31A67FAD6D26}" srcId="{CA75FD2A-2DFD-4F6B-A457-6FC188C2D525}" destId="{9C6BCFF1-DB4F-4638-BF14-D80745DDD8D0}" srcOrd="1" destOrd="0" parTransId="{F9DA0429-5FB9-4134-81A8-30233A4E9C1F}" sibTransId="{27E34787-3A0D-4097-A763-6EEDF1DC54B7}"/>
     <dgm:cxn modelId="{731F6B0E-5DBE-4122-BD07-7A1F8EA7B061}" srcId="{732DDB7C-FDA5-4645-A1F0-BDF47501925F}" destId="{1B6E2794-97CE-44DA-B0CB-DDEEB7EEED13}" srcOrd="1" destOrd="0" parTransId="{D8E0FBC9-B4D1-41A7-80C5-6C09039EB86E}" sibTransId="{66A59CF1-FA4E-400D-A445-EF24ACE79591}"/>
     <dgm:cxn modelId="{28DB8EDF-F2E5-45E9-890A-1E30F28AB2C2}" type="presOf" srcId="{CDDDA28F-9E0D-4C78-B8B2-499FDA60B2D2}" destId="{8B1E1615-802A-4929-B4D5-FF64A5260C5F}" srcOrd="0" destOrd="0" presId="urn:microsoft.com/office/officeart/2005/8/layout/vList2"/>
     <dgm:cxn modelId="{C2C84098-2D8B-437E-B505-BA451F3C7080}" srcId="{26637C77-31E5-42BA-85AA-221E086FEF39}" destId="{CA75FD2A-2DFD-4F6B-A457-6FC188C2D525}" srcOrd="1" destOrd="0" parTransId="{43DC3951-E68F-4D0E-9CAB-CCCB68EB97E3}" sibTransId="{53DA3428-5A57-4827-AF6C-BDF9C027788D}"/>
+    <dgm:cxn modelId="{CFE5218B-495F-4663-A8A1-9114C0E0902F}" srcId="{26637C77-31E5-42BA-85AA-221E086FEF39}" destId="{732DDB7C-FDA5-4645-A1F0-BDF47501925F}" srcOrd="0" destOrd="0" parTransId="{76977C2C-74A0-4CAB-BD29-8930DC7BED89}" sibTransId="{27AF8AA6-9743-4033-A456-1126F5E0B801}"/>
     <dgm:cxn modelId="{F243E6F5-F7A9-4AFD-9703-CA0D6E330E00}" type="presOf" srcId="{9C6BCFF1-DB4F-4638-BF14-D80745DDD8D0}" destId="{9354AA34-114D-4478-8288-51A7DA15B36A}" srcOrd="0" destOrd="1" presId="urn:microsoft.com/office/officeart/2005/8/layout/vList2"/>
-    <dgm:cxn modelId="{CFE5218B-495F-4663-A8A1-9114C0E0902F}" srcId="{26637C77-31E5-42BA-85AA-221E086FEF39}" destId="{732DDB7C-FDA5-4645-A1F0-BDF47501925F}" srcOrd="0" destOrd="0" parTransId="{76977C2C-74A0-4CAB-BD29-8930DC7BED89}" sibTransId="{27AF8AA6-9743-4033-A456-1126F5E0B801}"/>
     <dgm:cxn modelId="{F2570FC0-97D8-4912-AAD9-924271EAAFF4}" type="presParOf" srcId="{ABCA4295-0CF3-410B-8073-78C8E29312E0}" destId="{2576CEFD-91BD-4640-92EA-2740349C7E4A}" srcOrd="0" destOrd="0" presId="urn:microsoft.com/office/officeart/2005/8/layout/vList2"/>
     <dgm:cxn modelId="{0070BB66-4AB0-4B1B-8BA0-A3301025A497}" type="presParOf" srcId="{ABCA4295-0CF3-410B-8073-78C8E29312E0}" destId="{8B1E1615-802A-4929-B4D5-FF64A5260C5F}" srcOrd="1" destOrd="0" presId="urn:microsoft.com/office/officeart/2005/8/layout/vList2"/>
     <dgm:cxn modelId="{9C3ED5C3-0D4C-4458-AAD8-54D45F35E30E}" type="presParOf" srcId="{ABCA4295-0CF3-410B-8073-78C8E29312E0}" destId="{9D733DD2-DB15-43E2-B3EC-E901E3D11431}" srcOrd="2" destOrd="0" presId="urn:microsoft.com/office/officeart/2005/8/layout/vList2"/>
@@ -8731,6 +8773,13 @@
         </dgm:presLayoutVars>
       </dgm:prSet>
       <dgm:spPr/>
+      <dgm:t>
+        <a:bodyPr/>
+        <a:lstStyle/>
+        <a:p>
+          <a:endParaRPr lang="es-CO"/>
+        </a:p>
+      </dgm:t>
     </dgm:pt>
     <dgm:pt modelId="{2576CEFD-91BD-4640-92EA-2740349C7E4A}" type="pres">
       <dgm:prSet presAssocID="{732DDB7C-FDA5-4645-A1F0-BDF47501925F}" presName="parentText" presStyleLbl="node1" presStyleIdx="0" presStyleCnt="2" custLinFactNeighborX="-51250" custLinFactNeighborY="-3021">
@@ -8740,6 +8789,13 @@
         </dgm:presLayoutVars>
       </dgm:prSet>
       <dgm:spPr/>
+      <dgm:t>
+        <a:bodyPr/>
+        <a:lstStyle/>
+        <a:p>
+          <a:endParaRPr lang="es-CO"/>
+        </a:p>
+      </dgm:t>
     </dgm:pt>
     <dgm:pt modelId="{8B1E1615-802A-4929-B4D5-FF64A5260C5F}" type="pres">
       <dgm:prSet presAssocID="{732DDB7C-FDA5-4645-A1F0-BDF47501925F}" presName="childText" presStyleLbl="revTx" presStyleIdx="0" presStyleCnt="2">
@@ -8789,8 +8845,8 @@
     </dgm:pt>
   </dgm:ptLst>
   <dgm:cxnLst>
+    <dgm:cxn modelId="{49EE87DC-9C3E-468E-ACB7-154D2FABAC2C}" type="presOf" srcId="{9C6BCFF1-DB4F-4638-BF14-D80745DDD8D0}" destId="{9354AA34-114D-4478-8288-51A7DA15B36A}" srcOrd="0" destOrd="1" presId="urn:microsoft.com/office/officeart/2005/8/layout/vList2"/>
     <dgm:cxn modelId="{FB1B888B-33FA-466B-A6C6-C30135DBBEF7}" type="presOf" srcId="{CA75FD2A-2DFD-4F6B-A457-6FC188C2D525}" destId="{9D733DD2-DB15-43E2-B3EC-E901E3D11431}" srcOrd="0" destOrd="0" presId="urn:microsoft.com/office/officeart/2005/8/layout/vList2"/>
-    <dgm:cxn modelId="{49EE87DC-9C3E-468E-ACB7-154D2FABAC2C}" type="presOf" srcId="{9C6BCFF1-DB4F-4638-BF14-D80745DDD8D0}" destId="{9354AA34-114D-4478-8288-51A7DA15B36A}" srcOrd="0" destOrd="1" presId="urn:microsoft.com/office/officeart/2005/8/layout/vList2"/>
     <dgm:cxn modelId="{9BCCCD0C-AFD8-490A-9E7C-83F2670755BA}" type="presOf" srcId="{26637C77-31E5-42BA-85AA-221E086FEF39}" destId="{ABCA4295-0CF3-410B-8073-78C8E29312E0}" srcOrd="0" destOrd="0" presId="urn:microsoft.com/office/officeart/2005/8/layout/vList2"/>
     <dgm:cxn modelId="{580EC9FF-F51F-4678-9BAE-70F55B1E1B42}" type="presOf" srcId="{732DDB7C-FDA5-4645-A1F0-BDF47501925F}" destId="{2576CEFD-91BD-4640-92EA-2740349C7E4A}" srcOrd="0" destOrd="0" presId="urn:microsoft.com/office/officeart/2005/8/layout/vList2"/>
     <dgm:cxn modelId="{DBDCBACA-76C6-4A63-8E05-869BA2B680EF}" srcId="{CA75FD2A-2DFD-4F6B-A457-6FC188C2D525}" destId="{A862503A-8FB4-4463-A83C-6F23FC36AA08}" srcOrd="0" destOrd="0" parTransId="{28714A59-F9A4-4407-B09B-B0D6941EAB13}" sibTransId="{00B08CBC-A1ED-47BD-A520-E8A1981951EE}"/>
@@ -9329,6 +9385,13 @@
         </dgm:presLayoutVars>
       </dgm:prSet>
       <dgm:spPr/>
+      <dgm:t>
+        <a:bodyPr/>
+        <a:lstStyle/>
+        <a:p>
+          <a:endParaRPr lang="es-CO"/>
+        </a:p>
+      </dgm:t>
     </dgm:pt>
     <dgm:pt modelId="{2576CEFD-91BD-4640-92EA-2740349C7E4A}" type="pres">
       <dgm:prSet presAssocID="{732DDB7C-FDA5-4645-A1F0-BDF47501925F}" presName="parentText" presStyleLbl="node1" presStyleIdx="0" presStyleCnt="2" custLinFactNeighborX="-51250" custLinFactNeighborY="-3021">
@@ -9338,6 +9401,13 @@
         </dgm:presLayoutVars>
       </dgm:prSet>
       <dgm:spPr/>
+      <dgm:t>
+        <a:bodyPr/>
+        <a:lstStyle/>
+        <a:p>
+          <a:endParaRPr lang="es-CO"/>
+        </a:p>
+      </dgm:t>
     </dgm:pt>
     <dgm:pt modelId="{8B1E1615-802A-4929-B4D5-FF64A5260C5F}" type="pres">
       <dgm:prSet presAssocID="{732DDB7C-FDA5-4645-A1F0-BDF47501925F}" presName="childText" presStyleLbl="revTx" presStyleIdx="0" presStyleCnt="2">
@@ -9387,27 +9457,27 @@
     </dgm:pt>
   </dgm:ptLst>
   <dgm:cxnLst>
-    <dgm:cxn modelId="{03168986-3E33-4CBB-9A66-0DE4C3B985DA}" srcId="{732DDB7C-FDA5-4645-A1F0-BDF47501925F}" destId="{C91C98D2-1CE8-4E22-8105-75B9E7FA7411}" srcOrd="3" destOrd="0" parTransId="{2E752150-8D95-4D81-8D31-14DD19E3989F}" sibTransId="{AC075D3E-6613-4ED2-9231-84FE94D3D549}"/>
+    <dgm:cxn modelId="{4129F022-070D-4E06-AF5C-9E7BB07A1320}" type="presOf" srcId="{A862503A-8FB4-4463-A83C-6F23FC36AA08}" destId="{9354AA34-114D-4478-8288-51A7DA15B36A}" srcOrd="0" destOrd="0" presId="urn:microsoft.com/office/officeart/2005/8/layout/vList2"/>
+    <dgm:cxn modelId="{6B7EF8FB-12AE-4636-959C-D99543EB3A7A}" type="presOf" srcId="{CDDDA28F-9E0D-4C78-B8B2-499FDA60B2D2}" destId="{8B1E1615-802A-4929-B4D5-FF64A5260C5F}" srcOrd="0" destOrd="0" presId="urn:microsoft.com/office/officeart/2005/8/layout/vList2"/>
     <dgm:cxn modelId="{406B35A8-3D75-4B1E-A000-FE6C61791F47}" type="presOf" srcId="{732DDB7C-FDA5-4645-A1F0-BDF47501925F}" destId="{2576CEFD-91BD-4640-92EA-2740349C7E4A}" srcOrd="0" destOrd="0" presId="urn:microsoft.com/office/officeart/2005/8/layout/vList2"/>
-    <dgm:cxn modelId="{731F6B0E-5DBE-4122-BD07-7A1F8EA7B061}" srcId="{732DDB7C-FDA5-4645-A1F0-BDF47501925F}" destId="{1B6E2794-97CE-44DA-B0CB-DDEEB7EEED13}" srcOrd="1" destOrd="0" parTransId="{D8E0FBC9-B4D1-41A7-80C5-6C09039EB86E}" sibTransId="{66A59CF1-FA4E-400D-A445-EF24ACE79591}"/>
-    <dgm:cxn modelId="{93CC47EB-3718-4B85-B8FC-C96EB773EF2F}" type="presOf" srcId="{CA75FD2A-2DFD-4F6B-A457-6FC188C2D525}" destId="{9D733DD2-DB15-43E2-B3EC-E901E3D11431}" srcOrd="0" destOrd="0" presId="urn:microsoft.com/office/officeart/2005/8/layout/vList2"/>
-    <dgm:cxn modelId="{7C681DC9-788A-4CD5-B4E2-A77ACFEC9CD2}" srcId="{732DDB7C-FDA5-4645-A1F0-BDF47501925F}" destId="{1F7FB506-BE86-462F-829C-97A53F818C61}" srcOrd="2" destOrd="0" parTransId="{83F819A8-0738-4A96-B6B9-8C268B3A5821}" sibTransId="{F2F39D2F-2471-4AFE-8EDC-EA2E946E7E97}"/>
-    <dgm:cxn modelId="{45B374F0-1C9C-40AB-9F2D-C23FD75034C6}" type="presOf" srcId="{BDD35692-3581-477C-A5DC-1FD50CC489CE}" destId="{9354AA34-114D-4478-8288-51A7DA15B36A}" srcOrd="0" destOrd="1" presId="urn:microsoft.com/office/officeart/2005/8/layout/vList2"/>
-    <dgm:cxn modelId="{CFE5218B-495F-4663-A8A1-9114C0E0902F}" srcId="{26637C77-31E5-42BA-85AA-221E086FEF39}" destId="{732DDB7C-FDA5-4645-A1F0-BDF47501925F}" srcOrd="0" destOrd="0" parTransId="{76977C2C-74A0-4CAB-BD29-8930DC7BED89}" sibTransId="{27AF8AA6-9743-4033-A456-1126F5E0B801}"/>
-    <dgm:cxn modelId="{6B7EF8FB-12AE-4636-959C-D99543EB3A7A}" type="presOf" srcId="{CDDDA28F-9E0D-4C78-B8B2-499FDA60B2D2}" destId="{8B1E1615-802A-4929-B4D5-FF64A5260C5F}" srcOrd="0" destOrd="0" presId="urn:microsoft.com/office/officeart/2005/8/layout/vList2"/>
+    <dgm:cxn modelId="{DBDCBACA-76C6-4A63-8E05-869BA2B680EF}" srcId="{CA75FD2A-2DFD-4F6B-A457-6FC188C2D525}" destId="{A862503A-8FB4-4463-A83C-6F23FC36AA08}" srcOrd="0" destOrd="0" parTransId="{28714A59-F9A4-4407-B09B-B0D6941EAB13}" sibTransId="{00B08CBC-A1ED-47BD-A520-E8A1981951EE}"/>
     <dgm:cxn modelId="{F26F3416-8018-4D62-B66D-77A28C07407B}" type="presOf" srcId="{07BEBE1A-4151-4CBD-813B-05133360B9C1}" destId="{9354AA34-114D-4478-8288-51A7DA15B36A}" srcOrd="0" destOrd="2" presId="urn:microsoft.com/office/officeart/2005/8/layout/vList2"/>
-    <dgm:cxn modelId="{56BCA0A2-4A28-43C4-AF3E-D7D01A81A6A7}" srcId="{732DDB7C-FDA5-4645-A1F0-BDF47501925F}" destId="{CDDDA28F-9E0D-4C78-B8B2-499FDA60B2D2}" srcOrd="0" destOrd="0" parTransId="{0EF05F47-25E4-4A3E-9970-076B9909DDDA}" sibTransId="{166768EE-FD7A-43A0-ADD0-2FC0B928DCF6}"/>
-    <dgm:cxn modelId="{C2C84098-2D8B-437E-B505-BA451F3C7080}" srcId="{26637C77-31E5-42BA-85AA-221E086FEF39}" destId="{CA75FD2A-2DFD-4F6B-A457-6FC188C2D525}" srcOrd="1" destOrd="0" parTransId="{43DC3951-E68F-4D0E-9CAB-CCCB68EB97E3}" sibTransId="{53DA3428-5A57-4827-AF6C-BDF9C027788D}"/>
-    <dgm:cxn modelId="{FC8F179B-3410-49AB-BFB5-CA395B3DA57E}" type="presOf" srcId="{1F7FB506-BE86-462F-829C-97A53F818C61}" destId="{8B1E1615-802A-4929-B4D5-FF64A5260C5F}" srcOrd="0" destOrd="2" presId="urn:microsoft.com/office/officeart/2005/8/layout/vList2"/>
-    <dgm:cxn modelId="{BD92BE3E-25E3-471C-A44C-37568C2EF6A9}" srcId="{CA75FD2A-2DFD-4F6B-A457-6FC188C2D525}" destId="{BDD35692-3581-477C-A5DC-1FD50CC489CE}" srcOrd="1" destOrd="0" parTransId="{52A0ACEB-30C3-4B8A-AE69-D548C1123F89}" sibTransId="{33352E50-3D4E-437E-A48C-A453DB2FCEAE}"/>
-    <dgm:cxn modelId="{DBDCBACA-76C6-4A63-8E05-869BA2B680EF}" srcId="{CA75FD2A-2DFD-4F6B-A457-6FC188C2D525}" destId="{A862503A-8FB4-4463-A83C-6F23FC36AA08}" srcOrd="0" destOrd="0" parTransId="{28714A59-F9A4-4407-B09B-B0D6941EAB13}" sibTransId="{00B08CBC-A1ED-47BD-A520-E8A1981951EE}"/>
-    <dgm:cxn modelId="{9D033D7D-E225-4A9D-A9F4-5533B01AB4ED}" type="presOf" srcId="{1B6E2794-97CE-44DA-B0CB-DDEEB7EEED13}" destId="{8B1E1615-802A-4929-B4D5-FF64A5260C5F}" srcOrd="0" destOrd="1" presId="urn:microsoft.com/office/officeart/2005/8/layout/vList2"/>
-    <dgm:cxn modelId="{38FA55D0-8A49-4EDE-96A8-F3CDBA46BD99}" srcId="{CA75FD2A-2DFD-4F6B-A457-6FC188C2D525}" destId="{4C8C18D2-9144-4440-9647-F5BAD78A6D8C}" srcOrd="3" destOrd="0" parTransId="{8B843885-4946-4FCA-A321-F4D4730A9191}" sibTransId="{7D492EA0-638D-4540-B366-3C3B3F3A7DDA}"/>
-    <dgm:cxn modelId="{DBAA42D9-E42A-4EE3-8E47-C7A551519607}" type="presOf" srcId="{4C8C18D2-9144-4440-9647-F5BAD78A6D8C}" destId="{9354AA34-114D-4478-8288-51A7DA15B36A}" srcOrd="0" destOrd="3" presId="urn:microsoft.com/office/officeart/2005/8/layout/vList2"/>
     <dgm:cxn modelId="{E732E2B9-5584-47AB-91FA-4A31F9E91881}" type="presOf" srcId="{C91C98D2-1CE8-4E22-8105-75B9E7FA7411}" destId="{8B1E1615-802A-4929-B4D5-FF64A5260C5F}" srcOrd="0" destOrd="3" presId="urn:microsoft.com/office/officeart/2005/8/layout/vList2"/>
     <dgm:cxn modelId="{091D9FB0-66F5-432E-B104-0DB6483839D2}" type="presOf" srcId="{26637C77-31E5-42BA-85AA-221E086FEF39}" destId="{ABCA4295-0CF3-410B-8073-78C8E29312E0}" srcOrd="0" destOrd="0" presId="urn:microsoft.com/office/officeart/2005/8/layout/vList2"/>
+    <dgm:cxn modelId="{56BCA0A2-4A28-43C4-AF3E-D7D01A81A6A7}" srcId="{732DDB7C-FDA5-4645-A1F0-BDF47501925F}" destId="{CDDDA28F-9E0D-4C78-B8B2-499FDA60B2D2}" srcOrd="0" destOrd="0" parTransId="{0EF05F47-25E4-4A3E-9970-076B9909DDDA}" sibTransId="{166768EE-FD7A-43A0-ADD0-2FC0B928DCF6}"/>
+    <dgm:cxn modelId="{BD92BE3E-25E3-471C-A44C-37568C2EF6A9}" srcId="{CA75FD2A-2DFD-4F6B-A457-6FC188C2D525}" destId="{BDD35692-3581-477C-A5DC-1FD50CC489CE}" srcOrd="1" destOrd="0" parTransId="{52A0ACEB-30C3-4B8A-AE69-D548C1123F89}" sibTransId="{33352E50-3D4E-437E-A48C-A453DB2FCEAE}"/>
+    <dgm:cxn modelId="{FC8F179B-3410-49AB-BFB5-CA395B3DA57E}" type="presOf" srcId="{1F7FB506-BE86-462F-829C-97A53F818C61}" destId="{8B1E1615-802A-4929-B4D5-FF64A5260C5F}" srcOrd="0" destOrd="2" presId="urn:microsoft.com/office/officeart/2005/8/layout/vList2"/>
+    <dgm:cxn modelId="{45B374F0-1C9C-40AB-9F2D-C23FD75034C6}" type="presOf" srcId="{BDD35692-3581-477C-A5DC-1FD50CC489CE}" destId="{9354AA34-114D-4478-8288-51A7DA15B36A}" srcOrd="0" destOrd="1" presId="urn:microsoft.com/office/officeart/2005/8/layout/vList2"/>
+    <dgm:cxn modelId="{DBAA42D9-E42A-4EE3-8E47-C7A551519607}" type="presOf" srcId="{4C8C18D2-9144-4440-9647-F5BAD78A6D8C}" destId="{9354AA34-114D-4478-8288-51A7DA15B36A}" srcOrd="0" destOrd="3" presId="urn:microsoft.com/office/officeart/2005/8/layout/vList2"/>
+    <dgm:cxn modelId="{731F6B0E-5DBE-4122-BD07-7A1F8EA7B061}" srcId="{732DDB7C-FDA5-4645-A1F0-BDF47501925F}" destId="{1B6E2794-97CE-44DA-B0CB-DDEEB7EEED13}" srcOrd="1" destOrd="0" parTransId="{D8E0FBC9-B4D1-41A7-80C5-6C09039EB86E}" sibTransId="{66A59CF1-FA4E-400D-A445-EF24ACE79591}"/>
+    <dgm:cxn modelId="{38FA55D0-8A49-4EDE-96A8-F3CDBA46BD99}" srcId="{CA75FD2A-2DFD-4F6B-A457-6FC188C2D525}" destId="{4C8C18D2-9144-4440-9647-F5BAD78A6D8C}" srcOrd="3" destOrd="0" parTransId="{8B843885-4946-4FCA-A321-F4D4730A9191}" sibTransId="{7D492EA0-638D-4540-B366-3C3B3F3A7DDA}"/>
     <dgm:cxn modelId="{318AB43F-9A7A-4DDD-B2A3-D1A8FFF6F665}" srcId="{CA75FD2A-2DFD-4F6B-A457-6FC188C2D525}" destId="{07BEBE1A-4151-4CBD-813B-05133360B9C1}" srcOrd="2" destOrd="0" parTransId="{F3CEC6DF-4BF4-4D46-BD22-EA298F6F349F}" sibTransId="{54FD2946-1A18-405C-AF2C-7247D7A0F350}"/>
-    <dgm:cxn modelId="{4129F022-070D-4E06-AF5C-9E7BB07A1320}" type="presOf" srcId="{A862503A-8FB4-4463-A83C-6F23FC36AA08}" destId="{9354AA34-114D-4478-8288-51A7DA15B36A}" srcOrd="0" destOrd="0" presId="urn:microsoft.com/office/officeart/2005/8/layout/vList2"/>
+    <dgm:cxn modelId="{7C681DC9-788A-4CD5-B4E2-A77ACFEC9CD2}" srcId="{732DDB7C-FDA5-4645-A1F0-BDF47501925F}" destId="{1F7FB506-BE86-462F-829C-97A53F818C61}" srcOrd="2" destOrd="0" parTransId="{83F819A8-0738-4A96-B6B9-8C268B3A5821}" sibTransId="{F2F39D2F-2471-4AFE-8EDC-EA2E946E7E97}"/>
+    <dgm:cxn modelId="{03168986-3E33-4CBB-9A66-0DE4C3B985DA}" srcId="{732DDB7C-FDA5-4645-A1F0-BDF47501925F}" destId="{C91C98D2-1CE8-4E22-8105-75B9E7FA7411}" srcOrd="3" destOrd="0" parTransId="{2E752150-8D95-4D81-8D31-14DD19E3989F}" sibTransId="{AC075D3E-6613-4ED2-9231-84FE94D3D549}"/>
+    <dgm:cxn modelId="{93CC47EB-3718-4B85-B8FC-C96EB773EF2F}" type="presOf" srcId="{CA75FD2A-2DFD-4F6B-A457-6FC188C2D525}" destId="{9D733DD2-DB15-43E2-B3EC-E901E3D11431}" srcOrd="0" destOrd="0" presId="urn:microsoft.com/office/officeart/2005/8/layout/vList2"/>
+    <dgm:cxn modelId="{9D033D7D-E225-4A9D-A9F4-5533B01AB4ED}" type="presOf" srcId="{1B6E2794-97CE-44DA-B0CB-DDEEB7EEED13}" destId="{8B1E1615-802A-4929-B4D5-FF64A5260C5F}" srcOrd="0" destOrd="1" presId="urn:microsoft.com/office/officeart/2005/8/layout/vList2"/>
+    <dgm:cxn modelId="{CFE5218B-495F-4663-A8A1-9114C0E0902F}" srcId="{26637C77-31E5-42BA-85AA-221E086FEF39}" destId="{732DDB7C-FDA5-4645-A1F0-BDF47501925F}" srcOrd="0" destOrd="0" parTransId="{76977C2C-74A0-4CAB-BD29-8930DC7BED89}" sibTransId="{27AF8AA6-9743-4033-A456-1126F5E0B801}"/>
+    <dgm:cxn modelId="{C2C84098-2D8B-437E-B505-BA451F3C7080}" srcId="{26637C77-31E5-42BA-85AA-221E086FEF39}" destId="{CA75FD2A-2DFD-4F6B-A457-6FC188C2D525}" srcOrd="1" destOrd="0" parTransId="{43DC3951-E68F-4D0E-9CAB-CCCB68EB97E3}" sibTransId="{53DA3428-5A57-4827-AF6C-BDF9C027788D}"/>
     <dgm:cxn modelId="{93211468-66E5-4DCE-B169-C3F1222D30AA}" type="presParOf" srcId="{ABCA4295-0CF3-410B-8073-78C8E29312E0}" destId="{2576CEFD-91BD-4640-92EA-2740349C7E4A}" srcOrd="0" destOrd="0" presId="urn:microsoft.com/office/officeart/2005/8/layout/vList2"/>
     <dgm:cxn modelId="{B60E8735-EC04-47D2-9C54-C9F16E13FAD3}" type="presParOf" srcId="{ABCA4295-0CF3-410B-8073-78C8E29312E0}" destId="{8B1E1615-802A-4929-B4D5-FF64A5260C5F}" srcOrd="1" destOrd="0" presId="urn:microsoft.com/office/officeart/2005/8/layout/vList2"/>
     <dgm:cxn modelId="{FFC55A13-1B72-4E89-955C-7B4EE18BF03C}" type="presParOf" srcId="{ABCA4295-0CF3-410B-8073-78C8E29312E0}" destId="{9D733DD2-DB15-43E2-B3EC-E901E3D11431}" srcOrd="2" destOrd="0" presId="urn:microsoft.com/office/officeart/2005/8/layout/vList2"/>
@@ -9753,6 +9823,13 @@
         </dgm:presLayoutVars>
       </dgm:prSet>
       <dgm:spPr/>
+      <dgm:t>
+        <a:bodyPr/>
+        <a:lstStyle/>
+        <a:p>
+          <a:endParaRPr lang="es-CO"/>
+        </a:p>
+      </dgm:t>
     </dgm:pt>
     <dgm:pt modelId="{2576CEFD-91BD-4640-92EA-2740349C7E4A}" type="pres">
       <dgm:prSet presAssocID="{732DDB7C-FDA5-4645-A1F0-BDF47501925F}" presName="parentText" presStyleLbl="node1" presStyleIdx="0" presStyleCnt="2" custLinFactNeighborX="-51250" custLinFactNeighborY="-3021">
@@ -9762,6 +9839,13 @@
         </dgm:presLayoutVars>
       </dgm:prSet>
       <dgm:spPr/>
+      <dgm:t>
+        <a:bodyPr/>
+        <a:lstStyle/>
+        <a:p>
+          <a:endParaRPr lang="es-CO"/>
+        </a:p>
+      </dgm:t>
     </dgm:pt>
     <dgm:pt modelId="{8B1E1615-802A-4929-B4D5-FF64A5260C5F}" type="pres">
       <dgm:prSet presAssocID="{732DDB7C-FDA5-4645-A1F0-BDF47501925F}" presName="childText" presStyleLbl="revTx" presStyleIdx="0" presStyleCnt="2">
@@ -23365,7 +23449,7 @@
             <a:fld id="{CDC9DF36-94A5-402C-BCEA-3DB65C159119}" type="datetimeFigureOut">
               <a:rPr lang="en-US" smtClean="0"/>
               <a:pPr/>
-              <a:t>8/9/2011</a:t>
+              <a:t>8/10/2011</a:t>
             </a:fld>
             <a:endParaRPr lang="en-US"/>
           </a:p>
@@ -23590,7 +23674,7 @@
             <a:fld id="{CDC9DF36-94A5-402C-BCEA-3DB65C159119}" type="datetimeFigureOut">
               <a:rPr lang="en-US" smtClean="0"/>
               <a:pPr/>
-              <a:t>8/9/2011</a:t>
+              <a:t>8/10/2011</a:t>
             </a:fld>
             <a:endParaRPr lang="en-US"/>
           </a:p>
@@ -23872,7 +23956,7 @@
             <a:fld id="{CDC9DF36-94A5-402C-BCEA-3DB65C159119}" type="datetimeFigureOut">
               <a:rPr lang="en-US" smtClean="0"/>
               <a:pPr/>
-              <a:t>8/9/2011</a:t>
+              <a:t>8/10/2011</a:t>
             </a:fld>
             <a:endParaRPr lang="en-US"/>
           </a:p>
@@ -24053,7 +24137,7 @@
             <a:fld id="{CDC9DF36-94A5-402C-BCEA-3DB65C159119}" type="datetimeFigureOut">
               <a:rPr lang="en-US" smtClean="0"/>
               <a:pPr/>
-              <a:t>8/9/2011</a:t>
+              <a:t>8/10/2011</a:t>
             </a:fld>
             <a:endParaRPr lang="en-US"/>
           </a:p>
@@ -24413,7 +24497,7 @@
             <a:fld id="{CDC9DF36-94A5-402C-BCEA-3DB65C159119}" type="datetimeFigureOut">
               <a:rPr lang="en-US" smtClean="0"/>
               <a:pPr/>
-              <a:t>8/9/2011</a:t>
+              <a:t>8/10/2011</a:t>
             </a:fld>
             <a:endParaRPr lang="en-US"/>
           </a:p>
@@ -24702,7 +24786,7 @@
             <a:fld id="{CDC9DF36-94A5-402C-BCEA-3DB65C159119}" type="datetimeFigureOut">
               <a:rPr lang="en-US" smtClean="0"/>
               <a:pPr/>
-              <a:t>8/9/2011</a:t>
+              <a:t>8/10/2011</a:t>
             </a:fld>
             <a:endParaRPr lang="en-US"/>
           </a:p>
@@ -25126,7 +25210,7 @@
             <a:fld id="{CDC9DF36-94A5-402C-BCEA-3DB65C159119}" type="datetimeFigureOut">
               <a:rPr lang="en-US" smtClean="0"/>
               <a:pPr/>
-              <a:t>8/9/2011</a:t>
+              <a:t>8/10/2011</a:t>
             </a:fld>
             <a:endParaRPr lang="en-US"/>
           </a:p>
@@ -25243,7 +25327,7 @@
             <a:fld id="{CDC9DF36-94A5-402C-BCEA-3DB65C159119}" type="datetimeFigureOut">
               <a:rPr lang="en-US" smtClean="0"/>
               <a:pPr/>
-              <a:t>8/9/2011</a:t>
+              <a:t>8/10/2011</a:t>
             </a:fld>
             <a:endParaRPr lang="en-US"/>
           </a:p>
@@ -25335,7 +25419,7 @@
             <a:fld id="{CDC9DF36-94A5-402C-BCEA-3DB65C159119}" type="datetimeFigureOut">
               <a:rPr lang="en-US" smtClean="0"/>
               <a:pPr/>
-              <a:t>8/9/2011</a:t>
+              <a:t>8/10/2011</a:t>
             </a:fld>
             <a:endParaRPr lang="en-US"/>
           </a:p>
@@ -25615,7 +25699,7 @@
             <a:fld id="{CDC9DF36-94A5-402C-BCEA-3DB65C159119}" type="datetimeFigureOut">
               <a:rPr lang="en-US" smtClean="0"/>
               <a:pPr/>
-              <a:t>8/9/2011</a:t>
+              <a:t>8/10/2011</a:t>
             </a:fld>
             <a:endParaRPr lang="en-US"/>
           </a:p>
@@ -25983,7 +26067,7 @@
             <a:fld id="{CDC9DF36-94A5-402C-BCEA-3DB65C159119}" type="datetimeFigureOut">
               <a:rPr lang="en-US" smtClean="0"/>
               <a:pPr/>
-              <a:t>8/9/2011</a:t>
+              <a:t>8/10/2011</a:t>
             </a:fld>
             <a:endParaRPr lang="en-US"/>
           </a:p>
@@ -26422,7 +26506,7 @@
             <a:fld id="{CDC9DF36-94A5-402C-BCEA-3DB65C159119}" type="datetimeFigureOut">
               <a:rPr lang="en-US" smtClean="0"/>
               <a:pPr/>
-              <a:t>8/9/2011</a:t>
+              <a:t>8/10/2011</a:t>
             </a:fld>
             <a:endParaRPr lang="en-US"/>
           </a:p>
@@ -26877,7 +26961,7 @@
                 <a:latin typeface="Calibri" pitchFamily="34" charset="0"/>
                 <a:cs typeface="Calibri" pitchFamily="34" charset="0"/>
               </a:rPr>
-              <a:t>TEAM SOFTWARE PROCESS</a:t>
+              <a:t/>
             </a:r>
             <a:br>
               <a:rPr lang="es-CO" b="1" dirty="0" smtClean="0">
@@ -27256,11 +27340,7 @@
             <a:pPr algn="just"/>
             <a:r>
               <a:rPr lang="es-CO" sz="2000" dirty="0" smtClean="0"/>
-              <a:t>Riesgos </a:t>
-            </a:r>
-            <a:r>
-              <a:rPr lang="es-CO" sz="2000" dirty="0" smtClean="0"/>
-              <a:t>materializados</a:t>
+              <a:t>Riesgos materializados</a:t>
             </a:r>
           </a:p>
           <a:p>
